--- a/SpaceSheep-war.pptx
+++ b/SpaceSheep-war.pptx
@@ -109,6 +109,22 @@
       </a:defRPr>
     </a:lvl9pPr>
   </p:defaultTextStyle>
+  <p:extLst>
+    <p:ext uri="{EFAFB233-063F-42B5-8137-9DF3F51BA10A}">
+      <p15:sldGuideLst xmlns:p15="http://schemas.microsoft.com/office/powerpoint/2012/main">
+        <p15:guide id="1" orient="horz" pos="2160">
+          <p15:clr>
+            <a:srgbClr val="A4A3A4"/>
+          </p15:clr>
+        </p15:guide>
+        <p15:guide id="2" pos="2880">
+          <p15:clr>
+            <a:srgbClr val="A4A3A4"/>
+          </p15:clr>
+        </p15:guide>
+      </p15:sldGuideLst>
+    </p:ext>
+  </p:extLst>
 </p:presentation>
 </file>
 
@@ -150,10 +166,9 @@
           <a:lstStyle/>
           <a:p>
             <a:r>
-              <a:rPr lang="ru-RU" smtClean="0"/>
+              <a:rPr lang="ru-RU"/>
               <a:t>Образец заголовка</a:t>
             </a:r>
-            <a:endParaRPr lang="ru-RU"/>
           </a:p>
         </p:txBody>
       </p:sp>
@@ -269,10 +284,9 @@
           </a:lstStyle>
           <a:p>
             <a:r>
-              <a:rPr lang="ru-RU" smtClean="0"/>
+              <a:rPr lang="ru-RU"/>
               <a:t>Образец подзаголовка</a:t>
             </a:r>
-            <a:endParaRPr lang="ru-RU"/>
           </a:p>
         </p:txBody>
       </p:sp>
@@ -293,7 +307,7 @@
           <a:p>
             <a:fld id="{5047C6EF-0872-41F3-A7F2-7E635C3C178C}" type="datetimeFigureOut">
               <a:rPr lang="ru-RU" smtClean="0"/>
-              <a:t>22.01.2023</a:t>
+              <a:t>18.02.2023</a:t>
             </a:fld>
             <a:endParaRPr lang="ru-RU"/>
           </a:p>
@@ -387,10 +401,9 @@
           <a:lstStyle/>
           <a:p>
             <a:r>
-              <a:rPr lang="ru-RU" smtClean="0"/>
+              <a:rPr lang="ru-RU"/>
               <a:t>Образец заголовка</a:t>
             </a:r>
-            <a:endParaRPr lang="ru-RU"/>
           </a:p>
         </p:txBody>
       </p:sp>
@@ -411,38 +424,37 @@
           <a:p>
             <a:pPr lvl="0"/>
             <a:r>
-              <a:rPr lang="ru-RU" smtClean="0"/>
+              <a:rPr lang="ru-RU"/>
               <a:t>Образец текста</a:t>
             </a:r>
           </a:p>
           <a:p>
             <a:pPr lvl="1"/>
             <a:r>
-              <a:rPr lang="ru-RU" smtClean="0"/>
+              <a:rPr lang="ru-RU"/>
               <a:t>Второй уровень</a:t>
             </a:r>
           </a:p>
           <a:p>
             <a:pPr lvl="2"/>
             <a:r>
-              <a:rPr lang="ru-RU" smtClean="0"/>
+              <a:rPr lang="ru-RU"/>
               <a:t>Третий уровень</a:t>
             </a:r>
           </a:p>
           <a:p>
             <a:pPr lvl="3"/>
             <a:r>
-              <a:rPr lang="ru-RU" smtClean="0"/>
+              <a:rPr lang="ru-RU"/>
               <a:t>Четвертый уровень</a:t>
             </a:r>
           </a:p>
           <a:p>
             <a:pPr lvl="4"/>
             <a:r>
-              <a:rPr lang="ru-RU" smtClean="0"/>
+              <a:rPr lang="ru-RU"/>
               <a:t>Пятый уровень</a:t>
             </a:r>
-            <a:endParaRPr lang="ru-RU"/>
           </a:p>
         </p:txBody>
       </p:sp>
@@ -463,7 +475,7 @@
           <a:p>
             <a:fld id="{5047C6EF-0872-41F3-A7F2-7E635C3C178C}" type="datetimeFigureOut">
               <a:rPr lang="ru-RU" smtClean="0"/>
-              <a:t>22.01.2023</a:t>
+              <a:t>18.02.2023</a:t>
             </a:fld>
             <a:endParaRPr lang="ru-RU"/>
           </a:p>
@@ -562,10 +574,9 @@
           <a:lstStyle/>
           <a:p>
             <a:r>
-              <a:rPr lang="ru-RU" smtClean="0"/>
+              <a:rPr lang="ru-RU"/>
               <a:t>Образец заголовка</a:t>
             </a:r>
-            <a:endParaRPr lang="ru-RU"/>
           </a:p>
         </p:txBody>
       </p:sp>
@@ -591,38 +602,37 @@
           <a:p>
             <a:pPr lvl="0"/>
             <a:r>
-              <a:rPr lang="ru-RU" smtClean="0"/>
+              <a:rPr lang="ru-RU"/>
               <a:t>Образец текста</a:t>
             </a:r>
           </a:p>
           <a:p>
             <a:pPr lvl="1"/>
             <a:r>
-              <a:rPr lang="ru-RU" smtClean="0"/>
+              <a:rPr lang="ru-RU"/>
               <a:t>Второй уровень</a:t>
             </a:r>
           </a:p>
           <a:p>
             <a:pPr lvl="2"/>
             <a:r>
-              <a:rPr lang="ru-RU" smtClean="0"/>
+              <a:rPr lang="ru-RU"/>
               <a:t>Третий уровень</a:t>
             </a:r>
           </a:p>
           <a:p>
             <a:pPr lvl="3"/>
             <a:r>
-              <a:rPr lang="ru-RU" smtClean="0"/>
+              <a:rPr lang="ru-RU"/>
               <a:t>Четвертый уровень</a:t>
             </a:r>
           </a:p>
           <a:p>
             <a:pPr lvl="4"/>
             <a:r>
-              <a:rPr lang="ru-RU" smtClean="0"/>
+              <a:rPr lang="ru-RU"/>
               <a:t>Пятый уровень</a:t>
             </a:r>
-            <a:endParaRPr lang="ru-RU"/>
           </a:p>
         </p:txBody>
       </p:sp>
@@ -643,7 +653,7 @@
           <a:p>
             <a:fld id="{5047C6EF-0872-41F3-A7F2-7E635C3C178C}" type="datetimeFigureOut">
               <a:rPr lang="ru-RU" smtClean="0"/>
-              <a:t>22.01.2023</a:t>
+              <a:t>18.02.2023</a:t>
             </a:fld>
             <a:endParaRPr lang="ru-RU"/>
           </a:p>
@@ -737,10 +747,9 @@
           <a:lstStyle/>
           <a:p>
             <a:r>
-              <a:rPr lang="ru-RU" smtClean="0"/>
+              <a:rPr lang="ru-RU"/>
               <a:t>Образец заголовка</a:t>
             </a:r>
-            <a:endParaRPr lang="ru-RU"/>
           </a:p>
         </p:txBody>
       </p:sp>
@@ -761,38 +770,37 @@
           <a:p>
             <a:pPr lvl="0"/>
             <a:r>
-              <a:rPr lang="ru-RU" smtClean="0"/>
+              <a:rPr lang="ru-RU"/>
               <a:t>Образец текста</a:t>
             </a:r>
           </a:p>
           <a:p>
             <a:pPr lvl="1"/>
             <a:r>
-              <a:rPr lang="ru-RU" smtClean="0"/>
+              <a:rPr lang="ru-RU"/>
               <a:t>Второй уровень</a:t>
             </a:r>
           </a:p>
           <a:p>
             <a:pPr lvl="2"/>
             <a:r>
-              <a:rPr lang="ru-RU" smtClean="0"/>
+              <a:rPr lang="ru-RU"/>
               <a:t>Третий уровень</a:t>
             </a:r>
           </a:p>
           <a:p>
             <a:pPr lvl="3"/>
             <a:r>
-              <a:rPr lang="ru-RU" smtClean="0"/>
+              <a:rPr lang="ru-RU"/>
               <a:t>Четвертый уровень</a:t>
             </a:r>
           </a:p>
           <a:p>
             <a:pPr lvl="4"/>
             <a:r>
-              <a:rPr lang="ru-RU" smtClean="0"/>
+              <a:rPr lang="ru-RU"/>
               <a:t>Пятый уровень</a:t>
             </a:r>
-            <a:endParaRPr lang="ru-RU"/>
           </a:p>
         </p:txBody>
       </p:sp>
@@ -813,7 +821,7 @@
           <a:p>
             <a:fld id="{5047C6EF-0872-41F3-A7F2-7E635C3C178C}" type="datetimeFigureOut">
               <a:rPr lang="ru-RU" smtClean="0"/>
-              <a:t>22.01.2023</a:t>
+              <a:t>18.02.2023</a:t>
             </a:fld>
             <a:endParaRPr lang="ru-RU"/>
           </a:p>
@@ -916,10 +924,9 @@
           </a:lstStyle>
           <a:p>
             <a:r>
-              <a:rPr lang="ru-RU" smtClean="0"/>
+              <a:rPr lang="ru-RU"/>
               <a:t>Образец заголовка</a:t>
             </a:r>
-            <a:endParaRPr lang="ru-RU"/>
           </a:p>
         </p:txBody>
       </p:sp>
@@ -1036,7 +1043,7 @@
           <a:p>
             <a:pPr lvl="0"/>
             <a:r>
-              <a:rPr lang="ru-RU" smtClean="0"/>
+              <a:rPr lang="ru-RU"/>
               <a:t>Образец текста</a:t>
             </a:r>
           </a:p>
@@ -1059,7 +1066,7 @@
           <a:p>
             <a:fld id="{5047C6EF-0872-41F3-A7F2-7E635C3C178C}" type="datetimeFigureOut">
               <a:rPr lang="ru-RU" smtClean="0"/>
-              <a:t>22.01.2023</a:t>
+              <a:t>18.02.2023</a:t>
             </a:fld>
             <a:endParaRPr lang="ru-RU"/>
           </a:p>
@@ -1153,10 +1160,9 @@
           <a:lstStyle/>
           <a:p>
             <a:r>
-              <a:rPr lang="ru-RU" smtClean="0"/>
+              <a:rPr lang="ru-RU"/>
               <a:t>Образец заголовка</a:t>
             </a:r>
-            <a:endParaRPr lang="ru-RU"/>
           </a:p>
         </p:txBody>
       </p:sp>
@@ -1210,38 +1216,37 @@
           <a:p>
             <a:pPr lvl="0"/>
             <a:r>
-              <a:rPr lang="ru-RU" smtClean="0"/>
+              <a:rPr lang="ru-RU"/>
               <a:t>Образец текста</a:t>
             </a:r>
           </a:p>
           <a:p>
             <a:pPr lvl="1"/>
             <a:r>
-              <a:rPr lang="ru-RU" smtClean="0"/>
+              <a:rPr lang="ru-RU"/>
               <a:t>Второй уровень</a:t>
             </a:r>
           </a:p>
           <a:p>
             <a:pPr lvl="2"/>
             <a:r>
-              <a:rPr lang="ru-RU" smtClean="0"/>
+              <a:rPr lang="ru-RU"/>
               <a:t>Третий уровень</a:t>
             </a:r>
           </a:p>
           <a:p>
             <a:pPr lvl="3"/>
             <a:r>
-              <a:rPr lang="ru-RU" smtClean="0"/>
+              <a:rPr lang="ru-RU"/>
               <a:t>Четвертый уровень</a:t>
             </a:r>
           </a:p>
           <a:p>
             <a:pPr lvl="4"/>
             <a:r>
-              <a:rPr lang="ru-RU" smtClean="0"/>
+              <a:rPr lang="ru-RU"/>
               <a:t>Пятый уровень</a:t>
             </a:r>
-            <a:endParaRPr lang="ru-RU"/>
           </a:p>
         </p:txBody>
       </p:sp>
@@ -1295,38 +1300,37 @@
           <a:p>
             <a:pPr lvl="0"/>
             <a:r>
-              <a:rPr lang="ru-RU" smtClean="0"/>
+              <a:rPr lang="ru-RU"/>
               <a:t>Образец текста</a:t>
             </a:r>
           </a:p>
           <a:p>
             <a:pPr lvl="1"/>
             <a:r>
-              <a:rPr lang="ru-RU" smtClean="0"/>
+              <a:rPr lang="ru-RU"/>
               <a:t>Второй уровень</a:t>
             </a:r>
           </a:p>
           <a:p>
             <a:pPr lvl="2"/>
             <a:r>
-              <a:rPr lang="ru-RU" smtClean="0"/>
+              <a:rPr lang="ru-RU"/>
               <a:t>Третий уровень</a:t>
             </a:r>
           </a:p>
           <a:p>
             <a:pPr lvl="3"/>
             <a:r>
-              <a:rPr lang="ru-RU" smtClean="0"/>
+              <a:rPr lang="ru-RU"/>
               <a:t>Четвертый уровень</a:t>
             </a:r>
           </a:p>
           <a:p>
             <a:pPr lvl="4"/>
             <a:r>
-              <a:rPr lang="ru-RU" smtClean="0"/>
+              <a:rPr lang="ru-RU"/>
               <a:t>Пятый уровень</a:t>
             </a:r>
-            <a:endParaRPr lang="ru-RU"/>
           </a:p>
         </p:txBody>
       </p:sp>
@@ -1347,7 +1351,7 @@
           <a:p>
             <a:fld id="{5047C6EF-0872-41F3-A7F2-7E635C3C178C}" type="datetimeFigureOut">
               <a:rPr lang="ru-RU" smtClean="0"/>
-              <a:t>22.01.2023</a:t>
+              <a:t>18.02.2023</a:t>
             </a:fld>
             <a:endParaRPr lang="ru-RU"/>
           </a:p>
@@ -1445,10 +1449,9 @@
           </a:lstStyle>
           <a:p>
             <a:r>
-              <a:rPr lang="ru-RU" smtClean="0"/>
+              <a:rPr lang="ru-RU"/>
               <a:t>Образец заголовка</a:t>
             </a:r>
-            <a:endParaRPr lang="ru-RU"/>
           </a:p>
         </p:txBody>
       </p:sp>
@@ -1511,7 +1514,7 @@
           <a:p>
             <a:pPr lvl="0"/>
             <a:r>
-              <a:rPr lang="ru-RU" smtClean="0"/>
+              <a:rPr lang="ru-RU"/>
               <a:t>Образец текста</a:t>
             </a:r>
           </a:p>
@@ -1567,38 +1570,37 @@
           <a:p>
             <a:pPr lvl="0"/>
             <a:r>
-              <a:rPr lang="ru-RU" smtClean="0"/>
+              <a:rPr lang="ru-RU"/>
               <a:t>Образец текста</a:t>
             </a:r>
           </a:p>
           <a:p>
             <a:pPr lvl="1"/>
             <a:r>
-              <a:rPr lang="ru-RU" smtClean="0"/>
+              <a:rPr lang="ru-RU"/>
               <a:t>Второй уровень</a:t>
             </a:r>
           </a:p>
           <a:p>
             <a:pPr lvl="2"/>
             <a:r>
-              <a:rPr lang="ru-RU" smtClean="0"/>
+              <a:rPr lang="ru-RU"/>
               <a:t>Третий уровень</a:t>
             </a:r>
           </a:p>
           <a:p>
             <a:pPr lvl="3"/>
             <a:r>
-              <a:rPr lang="ru-RU" smtClean="0"/>
+              <a:rPr lang="ru-RU"/>
               <a:t>Четвертый уровень</a:t>
             </a:r>
           </a:p>
           <a:p>
             <a:pPr lvl="4"/>
             <a:r>
-              <a:rPr lang="ru-RU" smtClean="0"/>
+              <a:rPr lang="ru-RU"/>
               <a:t>Пятый уровень</a:t>
             </a:r>
-            <a:endParaRPr lang="ru-RU"/>
           </a:p>
         </p:txBody>
       </p:sp>
@@ -1661,7 +1663,7 @@
           <a:p>
             <a:pPr lvl="0"/>
             <a:r>
-              <a:rPr lang="ru-RU" smtClean="0"/>
+              <a:rPr lang="ru-RU"/>
               <a:t>Образец текста</a:t>
             </a:r>
           </a:p>
@@ -1717,38 +1719,37 @@
           <a:p>
             <a:pPr lvl="0"/>
             <a:r>
-              <a:rPr lang="ru-RU" smtClean="0"/>
+              <a:rPr lang="ru-RU"/>
               <a:t>Образец текста</a:t>
             </a:r>
           </a:p>
           <a:p>
             <a:pPr lvl="1"/>
             <a:r>
-              <a:rPr lang="ru-RU" smtClean="0"/>
+              <a:rPr lang="ru-RU"/>
               <a:t>Второй уровень</a:t>
             </a:r>
           </a:p>
           <a:p>
             <a:pPr lvl="2"/>
             <a:r>
-              <a:rPr lang="ru-RU" smtClean="0"/>
+              <a:rPr lang="ru-RU"/>
               <a:t>Третий уровень</a:t>
             </a:r>
           </a:p>
           <a:p>
             <a:pPr lvl="3"/>
             <a:r>
-              <a:rPr lang="ru-RU" smtClean="0"/>
+              <a:rPr lang="ru-RU"/>
               <a:t>Четвертый уровень</a:t>
             </a:r>
           </a:p>
           <a:p>
             <a:pPr lvl="4"/>
             <a:r>
-              <a:rPr lang="ru-RU" smtClean="0"/>
+              <a:rPr lang="ru-RU"/>
               <a:t>Пятый уровень</a:t>
             </a:r>
-            <a:endParaRPr lang="ru-RU"/>
           </a:p>
         </p:txBody>
       </p:sp>
@@ -1769,7 +1770,7 @@
           <a:p>
             <a:fld id="{5047C6EF-0872-41F3-A7F2-7E635C3C178C}" type="datetimeFigureOut">
               <a:rPr lang="ru-RU" smtClean="0"/>
-              <a:t>22.01.2023</a:t>
+              <a:t>18.02.2023</a:t>
             </a:fld>
             <a:endParaRPr lang="ru-RU"/>
           </a:p>
@@ -1863,10 +1864,9 @@
           <a:lstStyle/>
           <a:p>
             <a:r>
-              <a:rPr lang="ru-RU" smtClean="0"/>
+              <a:rPr lang="ru-RU"/>
               <a:t>Образец заголовка</a:t>
             </a:r>
-            <a:endParaRPr lang="ru-RU"/>
           </a:p>
         </p:txBody>
       </p:sp>
@@ -1887,7 +1887,7 @@
           <a:p>
             <a:fld id="{5047C6EF-0872-41F3-A7F2-7E635C3C178C}" type="datetimeFigureOut">
               <a:rPr lang="ru-RU" smtClean="0"/>
-              <a:t>22.01.2023</a:t>
+              <a:t>18.02.2023</a:t>
             </a:fld>
             <a:endParaRPr lang="ru-RU"/>
           </a:p>
@@ -1982,7 +1982,7 @@
           <a:p>
             <a:fld id="{5047C6EF-0872-41F3-A7F2-7E635C3C178C}" type="datetimeFigureOut">
               <a:rPr lang="ru-RU" smtClean="0"/>
-              <a:t>22.01.2023</a:t>
+              <a:t>18.02.2023</a:t>
             </a:fld>
             <a:endParaRPr lang="ru-RU"/>
           </a:p>
@@ -2085,10 +2085,9 @@
           </a:lstStyle>
           <a:p>
             <a:r>
-              <a:rPr lang="ru-RU" smtClean="0"/>
+              <a:rPr lang="ru-RU"/>
               <a:t>Образец заголовка</a:t>
             </a:r>
-            <a:endParaRPr lang="ru-RU"/>
           </a:p>
         </p:txBody>
       </p:sp>
@@ -2142,38 +2141,37 @@
           <a:p>
             <a:pPr lvl="0"/>
             <a:r>
-              <a:rPr lang="ru-RU" smtClean="0"/>
+              <a:rPr lang="ru-RU"/>
               <a:t>Образец текста</a:t>
             </a:r>
           </a:p>
           <a:p>
             <a:pPr lvl="1"/>
             <a:r>
-              <a:rPr lang="ru-RU" smtClean="0"/>
+              <a:rPr lang="ru-RU"/>
               <a:t>Второй уровень</a:t>
             </a:r>
           </a:p>
           <a:p>
             <a:pPr lvl="2"/>
             <a:r>
-              <a:rPr lang="ru-RU" smtClean="0"/>
+              <a:rPr lang="ru-RU"/>
               <a:t>Третий уровень</a:t>
             </a:r>
           </a:p>
           <a:p>
             <a:pPr lvl="3"/>
             <a:r>
-              <a:rPr lang="ru-RU" smtClean="0"/>
+              <a:rPr lang="ru-RU"/>
               <a:t>Четвертый уровень</a:t>
             </a:r>
           </a:p>
           <a:p>
             <a:pPr lvl="4"/>
             <a:r>
-              <a:rPr lang="ru-RU" smtClean="0"/>
+              <a:rPr lang="ru-RU"/>
               <a:t>Пятый уровень</a:t>
             </a:r>
-            <a:endParaRPr lang="ru-RU"/>
           </a:p>
         </p:txBody>
       </p:sp>
@@ -2236,7 +2234,7 @@
           <a:p>
             <a:pPr lvl="0"/>
             <a:r>
-              <a:rPr lang="ru-RU" smtClean="0"/>
+              <a:rPr lang="ru-RU"/>
               <a:t>Образец текста</a:t>
             </a:r>
           </a:p>
@@ -2259,7 +2257,7 @@
           <a:p>
             <a:fld id="{5047C6EF-0872-41F3-A7F2-7E635C3C178C}" type="datetimeFigureOut">
               <a:rPr lang="ru-RU" smtClean="0"/>
-              <a:t>22.01.2023</a:t>
+              <a:t>18.02.2023</a:t>
             </a:fld>
             <a:endParaRPr lang="ru-RU"/>
           </a:p>
@@ -2362,10 +2360,9 @@
           </a:lstStyle>
           <a:p>
             <a:r>
-              <a:rPr lang="ru-RU" smtClean="0"/>
+              <a:rPr lang="ru-RU"/>
               <a:t>Образец заголовка</a:t>
             </a:r>
-            <a:endParaRPr lang="ru-RU"/>
           </a:p>
         </p:txBody>
       </p:sp>
@@ -2489,7 +2486,7 @@
           <a:p>
             <a:pPr lvl="0"/>
             <a:r>
-              <a:rPr lang="ru-RU" smtClean="0"/>
+              <a:rPr lang="ru-RU"/>
               <a:t>Образец текста</a:t>
             </a:r>
           </a:p>
@@ -2512,7 +2509,7 @@
           <a:p>
             <a:fld id="{5047C6EF-0872-41F3-A7F2-7E635C3C178C}" type="datetimeFigureOut">
               <a:rPr lang="ru-RU" smtClean="0"/>
-              <a:t>22.01.2023</a:t>
+              <a:t>18.02.2023</a:t>
             </a:fld>
             <a:endParaRPr lang="ru-RU"/>
           </a:p>
@@ -2621,10 +2618,9 @@
           <a:lstStyle/>
           <a:p>
             <a:r>
-              <a:rPr lang="ru-RU" smtClean="0"/>
+              <a:rPr lang="ru-RU"/>
               <a:t>Образец заголовка</a:t>
             </a:r>
-            <a:endParaRPr lang="ru-RU"/>
           </a:p>
         </p:txBody>
       </p:sp>
@@ -2655,38 +2651,37 @@
           <a:p>
             <a:pPr lvl="0"/>
             <a:r>
-              <a:rPr lang="ru-RU" smtClean="0"/>
+              <a:rPr lang="ru-RU"/>
               <a:t>Образец текста</a:t>
             </a:r>
           </a:p>
           <a:p>
             <a:pPr lvl="1"/>
             <a:r>
-              <a:rPr lang="ru-RU" smtClean="0"/>
+              <a:rPr lang="ru-RU"/>
               <a:t>Второй уровень</a:t>
             </a:r>
           </a:p>
           <a:p>
             <a:pPr lvl="2"/>
             <a:r>
-              <a:rPr lang="ru-RU" smtClean="0"/>
+              <a:rPr lang="ru-RU"/>
               <a:t>Третий уровень</a:t>
             </a:r>
           </a:p>
           <a:p>
             <a:pPr lvl="3"/>
             <a:r>
-              <a:rPr lang="ru-RU" smtClean="0"/>
+              <a:rPr lang="ru-RU"/>
               <a:t>Четвертый уровень</a:t>
             </a:r>
           </a:p>
           <a:p>
             <a:pPr lvl="4"/>
             <a:r>
-              <a:rPr lang="ru-RU" smtClean="0"/>
+              <a:rPr lang="ru-RU"/>
               <a:t>Пятый уровень</a:t>
             </a:r>
-            <a:endParaRPr lang="ru-RU"/>
           </a:p>
         </p:txBody>
       </p:sp>
@@ -2725,7 +2720,7 @@
           <a:p>
             <a:fld id="{5047C6EF-0872-41F3-A7F2-7E635C3C178C}" type="datetimeFigureOut">
               <a:rPr lang="ru-RU" smtClean="0"/>
-              <a:t>22.01.2023</a:t>
+              <a:t>18.02.2023</a:t>
             </a:fld>
             <a:endParaRPr lang="ru-RU"/>
           </a:p>
@@ -3116,11 +3111,11 @@
           <a:lstStyle/>
           <a:p>
             <a:r>
-              <a:rPr lang="en-US" dirty="0" err="1" smtClean="0"/>
+              <a:rPr lang="en-US" dirty="0" err="1"/>
               <a:t>SpaceSheep</a:t>
             </a:r>
             <a:r>
-              <a:rPr lang="en-US" dirty="0" smtClean="0"/>
+              <a:rPr lang="en-US" dirty="0"/>
               <a:t>-war</a:t>
             </a:r>
             <a:endParaRPr lang="ru-RU" dirty="0"/>
@@ -3148,32 +3143,32 @@
           <a:lstStyle/>
           <a:p>
             <a:r>
-              <a:rPr lang="ru-RU" dirty="0" smtClean="0"/>
+              <a:rPr lang="ru-RU" dirty="0"/>
               <a:t>Авторы</a:t>
             </a:r>
             <a:r>
-              <a:rPr lang="en-US" dirty="0" smtClean="0"/>
+              <a:rPr lang="en-US" dirty="0"/>
               <a:t>:</a:t>
             </a:r>
           </a:p>
           <a:p>
             <a:r>
-              <a:rPr lang="ru-RU" dirty="0" smtClean="0"/>
+              <a:rPr lang="ru-RU" dirty="0"/>
               <a:t>Максим </a:t>
             </a:r>
             <a:r>
-              <a:rPr lang="ru-RU" dirty="0" err="1" smtClean="0"/>
+              <a:rPr lang="ru-RU" dirty="0" err="1"/>
               <a:t>Нуштайкин</a:t>
             </a:r>
-            <a:endParaRPr lang="ru-RU" dirty="0" smtClean="0"/>
-          </a:p>
-          <a:p>
-            <a:r>
-              <a:rPr lang="ru-RU" dirty="0" smtClean="0"/>
+            <a:endParaRPr lang="ru-RU" dirty="0"/>
+          </a:p>
+          <a:p>
+            <a:r>
+              <a:rPr lang="ru-RU" dirty="0"/>
               <a:t>Михаил </a:t>
             </a:r>
             <a:r>
-              <a:rPr lang="ru-RU" dirty="0" err="1" smtClean="0"/>
+              <a:rPr lang="ru-RU" dirty="0" err="1"/>
               <a:t>Пионтик</a:t>
             </a:r>
             <a:endParaRPr lang="ru-RU" dirty="0"/>
@@ -3190,13 +3185,6 @@
   <p:clrMapOvr>
     <a:masterClrMapping/>
   </p:clrMapOvr>
-  <p:timing>
-    <p:tnLst>
-      <p:par>
-        <p:cTn id="1" dur="indefinite" restart="never" nodeType="tmRoot"/>
-      </p:par>
-    </p:tnLst>
-  </p:timing>
 </p:sld>
 </file>
 
@@ -3241,60 +3229,32 @@
           <a:p>
             <a:pPr fontAlgn="t"/>
             <a:r>
-              <a:rPr lang="ru-RU" sz="3200" dirty="0" err="1" smtClean="0">
+              <a:rPr lang="ru-RU" sz="3200" dirty="0" err="1">
                 <a:effectLst/>
                 <a:latin typeface="ui-monospace"/>
               </a:rPr>
               <a:t>SpaceSheep</a:t>
             </a:r>
             <a:r>
-              <a:rPr lang="ru-RU" sz="3200" dirty="0" smtClean="0">
+              <a:rPr lang="ru-RU" sz="3200" dirty="0">
                 <a:effectLst/>
                 <a:latin typeface="ui-monospace"/>
               </a:rPr>
               <a:t> </a:t>
             </a:r>
             <a:r>
-              <a:rPr lang="ru-RU" sz="3200" dirty="0" err="1" smtClean="0">
+              <a:rPr lang="ru-RU" sz="3200" dirty="0" err="1">
                 <a:effectLst/>
                 <a:latin typeface="ui-monospace"/>
               </a:rPr>
               <a:t>wars</a:t>
             </a:r>
             <a:r>
-              <a:rPr lang="ru-RU" sz="3200" dirty="0" smtClean="0">
+              <a:rPr lang="ru-RU" sz="3200" dirty="0">
                 <a:effectLst/>
                 <a:latin typeface="ui-monospace"/>
               </a:rPr>
-              <a:t> - это компьютерная игра в жанре </a:t>
-            </a:r>
-            <a:r>
-              <a:rPr lang="ru-RU" sz="3200" dirty="0" smtClean="0">
-                <a:effectLst/>
-                <a:latin typeface="ui-monospace"/>
-              </a:rPr>
-              <a:t>Аркада. </a:t>
-            </a:r>
-            <a:r>
-              <a:rPr lang="ru-RU" sz="3200" dirty="0" smtClean="0">
-                <a:effectLst/>
-                <a:latin typeface="ui-monospace"/>
-              </a:rPr>
-              <a:t>Вам предстоит сражаться с множество </a:t>
-            </a:r>
-            <a:r>
-              <a:rPr lang="ru-RU" sz="3200" dirty="0" smtClean="0">
-                <a:effectLst/>
-                <a:latin typeface="ui-monospace"/>
-              </a:rPr>
-              <a:t>врагов. Игра </a:t>
-            </a:r>
-            <a:r>
-              <a:rPr lang="ru-RU" sz="3200" dirty="0" smtClean="0">
-                <a:effectLst/>
-                <a:latin typeface="ui-monospace"/>
-              </a:rPr>
-              <a:t>заставит вас попотеть чтобы добиться результатов.</a:t>
+              <a:t> - это компьютерная игра в жанре Аркада. Вам предстоит сражаться с множество врагов. Игра заставит вас попотеть чтобы добиться результатов.</a:t>
             </a:r>
             <a:endParaRPr lang="ru-RU" sz="3200" dirty="0"/>
           </a:p>
@@ -3313,25 +3273,15 @@
             <a:pPr fontAlgn="t"/>
             <a:r>
               <a:rPr lang="ru-RU" sz="3200" dirty="0"/>
-              <a:t>Вид камеры - с </a:t>
-            </a:r>
-            <a:r>
-              <a:rPr lang="ru-RU" sz="3200" dirty="0" smtClean="0"/>
-              <a:t>боку</a:t>
-            </a:r>
-            <a:endParaRPr lang="ru-RU" sz="3200" dirty="0"/>
+              <a:t>Вид камеры - с боку</a:t>
+            </a:r>
           </a:p>
           <a:p>
             <a:pPr fontAlgn="t"/>
             <a:r>
               <a:rPr lang="ru-RU" sz="3200" dirty="0"/>
-              <a:t>Жанр </a:t>
-            </a:r>
-            <a:r>
-              <a:rPr lang="ru-RU" sz="3200" dirty="0" smtClean="0"/>
-              <a:t>-Аркада</a:t>
-            </a:r>
-            <a:endParaRPr lang="ru-RU" sz="3200" dirty="0"/>
+              <a:t>Жанр -Аркада</a:t>
+            </a:r>
           </a:p>
           <a:p>
             <a:pPr fontAlgn="t"/>
@@ -3344,16 +3294,11 @@
             <a:pPr fontAlgn="t"/>
             <a:r>
               <a:rPr lang="ru-RU" sz="3200" dirty="0"/>
-              <a:t>Цель игрока уничтожить врагов и </a:t>
-            </a:r>
-            <a:r>
-              <a:rPr lang="ru-RU" sz="3200" dirty="0" smtClean="0"/>
-              <a:t>набрать как можно больше очков.</a:t>
-            </a:r>
-            <a:endParaRPr lang="ru-RU" sz="3200" dirty="0"/>
-          </a:p>
-          <a:p>
-            <a:endParaRPr lang="ru-RU" sz="3200" dirty="0" smtClean="0">
+              <a:t>Цель игрока уничтожить врагов и набрать как можно больше очков.</a:t>
+            </a:r>
+          </a:p>
+          <a:p>
+            <a:endParaRPr lang="ru-RU" sz="3200" dirty="0">
               <a:effectLst/>
               <a:latin typeface="ui-monospace"/>
             </a:endParaRPr>
@@ -3386,11 +3331,11 @@
           <a:lstStyle/>
           <a:p>
             <a:r>
-              <a:rPr lang="ru-RU" sz="5400" dirty="0" smtClean="0"/>
+              <a:rPr lang="ru-RU" sz="5400" dirty="0"/>
               <a:t>Описание</a:t>
             </a:r>
             <a:r>
-              <a:rPr lang="en-US" sz="5400" dirty="0" smtClean="0"/>
+              <a:rPr lang="en-US" sz="5400" dirty="0"/>
               <a:t>:</a:t>
             </a:r>
             <a:endParaRPr lang="ru-RU" sz="5400" dirty="0"/>
@@ -3407,13 +3352,6 @@
   <p:clrMapOvr>
     <a:masterClrMapping/>
   </p:clrMapOvr>
-  <p:timing>
-    <p:tnLst>
-      <p:par>
-        <p:cTn id="1" dur="indefinite" restart="never" nodeType="tmRoot"/>
-      </p:par>
-    </p:tnLst>
-  </p:timing>
 </p:sld>
 </file>
 
@@ -3457,11 +3395,11 @@
           <a:lstStyle/>
           <a:p>
             <a:r>
-              <a:rPr lang="ru-RU" sz="5400" dirty="0" smtClean="0"/>
+              <a:rPr lang="ru-RU" sz="5400" dirty="0"/>
               <a:t>Диаграмма прецедентов</a:t>
             </a:r>
             <a:r>
-              <a:rPr lang="en-US" sz="5400" dirty="0" smtClean="0"/>
+              <a:rPr lang="en-US" sz="5400" dirty="0"/>
               <a:t>:</a:t>
             </a:r>
             <a:endParaRPr lang="ru-RU" sz="5400" dirty="0"/>
@@ -3506,13 +3444,8 @@
             <a:pPr algn="ctr"/>
             <a:r>
               <a:rPr lang="ru-RU" dirty="0"/>
-              <a:t>И</a:t>
-            </a:r>
-            <a:r>
-              <a:rPr lang="ru-RU" dirty="0" smtClean="0"/>
-              <a:t>грок</a:t>
-            </a:r>
-            <a:endParaRPr lang="ru-RU" dirty="0"/>
+              <a:t>Игрок</a:t>
+            </a:r>
           </a:p>
         </p:txBody>
       </p:sp>
@@ -3768,11 +3701,7 @@
           <a:p>
             <a:r>
               <a:rPr lang="ru-RU" sz="2800" dirty="0"/>
-              <a:t>В</a:t>
-            </a:r>
-            <a:r>
-              <a:rPr lang="ru-RU" sz="2800" dirty="0" smtClean="0"/>
-              <a:t>раги</a:t>
+              <a:t>Враги</a:t>
             </a:r>
             <a:endParaRPr lang="ru-RU" dirty="0"/>
           </a:p>
@@ -3787,7 +3716,7 @@
         <p:spPr>
           <a:xfrm>
             <a:off x="6500642" y="3909174"/>
-            <a:ext cx="2461664" cy="2308324"/>
+            <a:ext cx="2461664" cy="1754326"/>
           </a:xfrm>
           <a:prstGeom prst="rect">
             <a:avLst/>
@@ -3801,22 +3730,9 @@
           <a:lstStyle/>
           <a:p>
             <a:r>
-              <a:rPr lang="ru-RU" dirty="0" smtClean="0"/>
-              <a:t>Враги </a:t>
-            </a:r>
-            <a:r>
               <a:rPr lang="ru-RU" dirty="0"/>
-              <a:t>- это инопланетяне которые тоже стреляют снарядами(базовый урон </a:t>
-            </a:r>
-            <a:r>
-              <a:rPr lang="ru-RU" dirty="0" smtClean="0"/>
-              <a:t>1 </a:t>
-            </a:r>
-            <a:r>
-              <a:rPr lang="ru-RU" dirty="0" smtClean="0"/>
-              <a:t>жизнь). При столкновении с игроком наносят ему урон. </a:t>
-            </a:r>
-            <a:endParaRPr lang="ru-RU" dirty="0"/>
+              <a:t>Враги - это инопланетяне, которые при столкновении с игроком наносят ему урон. </a:t>
+            </a:r>
           </a:p>
         </p:txBody>
       </p:sp>
@@ -3829,7 +3745,7 @@
         <p:spPr>
           <a:xfrm>
             <a:off x="395536" y="3909174"/>
-            <a:ext cx="2736304" cy="1754326"/>
+            <a:ext cx="2736304" cy="923330"/>
           </a:xfrm>
           <a:prstGeom prst="rect">
             <a:avLst/>
@@ -3843,30 +3759,9 @@
           <a:lstStyle/>
           <a:p>
             <a:r>
-              <a:rPr lang="ru-RU" dirty="0" smtClean="0"/>
-              <a:t>Игрок – это овечка </a:t>
-            </a:r>
-            <a:r>
               <a:rPr lang="ru-RU" dirty="0"/>
-              <a:t>в космическом корабле имеет </a:t>
-            </a:r>
-            <a:r>
-              <a:rPr lang="ru-RU" dirty="0"/>
-              <a:t>5</a:t>
-            </a:r>
-            <a:r>
-              <a:rPr lang="ru-RU" dirty="0" smtClean="0"/>
-              <a:t> </a:t>
-            </a:r>
-            <a:r>
-              <a:rPr lang="ru-RU" dirty="0"/>
-              <a:t>жизней, стреляет снарядами и базовый урон 1 жизнь</a:t>
-            </a:r>
-            <a:r>
-              <a:rPr lang="ru-RU" dirty="0" smtClean="0"/>
-              <a:t>. Он может атаковать врагов.</a:t>
-            </a:r>
-            <a:endParaRPr lang="ru-RU" dirty="0"/>
+              <a:t>Игрок – это овечка в космическом корабле, стреляет снарядами.</a:t>
+            </a:r>
           </a:p>
         </p:txBody>
       </p:sp>
@@ -3943,7 +3838,7 @@
           <a:p>
             <a:pPr algn="ctr"/>
             <a:r>
-              <a:rPr lang="ru-RU" sz="1600" dirty="0" smtClean="0">
+              <a:rPr lang="ru-RU" sz="1600" dirty="0">
                 <a:solidFill>
                   <a:schemeClr val="tx2">
                     <a:lumMod val="60000"/>
@@ -3953,14 +3848,6 @@
               </a:rPr>
               <a:t>Полоска жизни</a:t>
             </a:r>
-            <a:endParaRPr lang="ru-RU" sz="1600" dirty="0">
-              <a:solidFill>
-                <a:schemeClr val="tx2">
-                  <a:lumMod val="60000"/>
-                  <a:lumOff val="40000"/>
-                </a:schemeClr>
-              </a:solidFill>
-            </a:endParaRPr>
           </a:p>
         </p:txBody>
       </p:sp>
@@ -3974,13 +3861,6 @@
   <p:clrMapOvr>
     <a:masterClrMapping/>
   </p:clrMapOvr>
-  <p:timing>
-    <p:tnLst>
-      <p:par>
-        <p:cTn id="1" dur="indefinite" restart="never" nodeType="tmRoot"/>
-      </p:par>
-    </p:tnLst>
-  </p:timing>
 </p:sld>
 </file>
 
@@ -4024,11 +3904,11 @@
           <a:lstStyle/>
           <a:p>
             <a:r>
-              <a:rPr lang="ru-RU" sz="5400" dirty="0" smtClean="0"/>
+              <a:rPr lang="ru-RU" sz="5400" dirty="0"/>
               <a:t>Технологии</a:t>
             </a:r>
             <a:r>
-              <a:rPr lang="en-US" sz="5400" dirty="0" smtClean="0"/>
+              <a:rPr lang="en-US" sz="5400" dirty="0"/>
               <a:t>:</a:t>
             </a:r>
             <a:endParaRPr lang="ru-RU" sz="5400" dirty="0"/>
@@ -4043,7 +3923,7 @@
         </p:nvSpPr>
         <p:spPr>
           <a:xfrm>
-            <a:off x="578879" y="1412776"/>
+            <a:off x="611560" y="1183978"/>
             <a:ext cx="6676058" cy="1077218"/>
           </a:xfrm>
           <a:prstGeom prst="rect">
@@ -4058,53 +3938,53 @@
           <a:lstStyle/>
           <a:p>
             <a:r>
-              <a:rPr lang="ru-RU" sz="3200" dirty="0" smtClean="0"/>
+              <a:rPr lang="ru-RU" sz="3200" dirty="0"/>
               <a:t>Библиотеки</a:t>
             </a:r>
             <a:r>
-              <a:rPr lang="en-US" sz="3200" dirty="0" smtClean="0"/>
+              <a:rPr lang="en-US" sz="3200" dirty="0"/>
               <a:t>: </a:t>
             </a:r>
           </a:p>
           <a:p>
             <a:r>
-              <a:rPr lang="en-US" sz="3200" dirty="0" err="1" smtClean="0"/>
+              <a:rPr lang="en-US" sz="3200" dirty="0" err="1"/>
               <a:t>Pygame</a:t>
             </a:r>
             <a:r>
-              <a:rPr lang="en-US" sz="3200" dirty="0" smtClean="0"/>
+              <a:rPr lang="en-US" sz="3200" dirty="0"/>
               <a:t>, </a:t>
             </a:r>
             <a:r>
-              <a:rPr lang="en-US" sz="3200" dirty="0" smtClean="0">
+              <a:rPr lang="en-US" sz="3200" dirty="0">
                 <a:effectLst/>
                 <a:latin typeface="ui-monospace"/>
               </a:rPr>
               <a:t>random, </a:t>
             </a:r>
             <a:r>
-              <a:rPr lang="en-US" sz="3200" dirty="0" err="1" smtClean="0">
+              <a:rPr lang="en-US" sz="3200" dirty="0" err="1">
                 <a:effectLst/>
                 <a:latin typeface="ui-monospace"/>
               </a:rPr>
               <a:t>pygame_menu</a:t>
             </a:r>
             <a:r>
-              <a:rPr lang="en-US" sz="3200" dirty="0" smtClean="0">
+              <a:rPr lang="en-US" sz="3200" dirty="0">
                 <a:effectLst/>
                 <a:latin typeface="ui-monospace"/>
               </a:rPr>
               <a:t>,</a:t>
             </a:r>
             <a:r>
-              <a:rPr lang="ru-RU" sz="3200" dirty="0" smtClean="0">
+              <a:rPr lang="ru-RU" sz="3200" dirty="0">
                 <a:effectLst/>
                 <a:latin typeface="ui-monospace"/>
               </a:rPr>
               <a:t> </a:t>
             </a:r>
             <a:r>
-              <a:rPr lang="en-US" sz="3200" dirty="0" err="1" smtClean="0">
+              <a:rPr lang="en-US" sz="3200" dirty="0" err="1">
                 <a:effectLst/>
                 <a:latin typeface="ui-monospace"/>
               </a:rPr>
@@ -4124,13 +4004,6 @@
   <p:clrMapOvr>
     <a:masterClrMapping/>
   </p:clrMapOvr>
-  <p:timing>
-    <p:tnLst>
-      <p:par>
-        <p:cTn id="1" dur="indefinite" restart="never" nodeType="tmRoot"/>
-      </p:par>
-    </p:tnLst>
-  </p:timing>
 </p:sld>
 </file>
 
@@ -4151,11 +4024,46 @@
           <a:chExt cx="0" cy="0"/>
         </a:xfrm>
       </p:grpSpPr>
+      <p:sp>
+        <p:nvSpPr>
+          <p:cNvPr id="2" name="TextBox 1"/>
+          <p:cNvSpPr txBox="1"/>
+          <p:nvPr/>
+        </p:nvSpPr>
+        <p:spPr>
+          <a:xfrm>
+            <a:off x="1547664" y="47328"/>
+            <a:ext cx="5982215" cy="923330"/>
+          </a:xfrm>
+          <a:prstGeom prst="rect">
+            <a:avLst/>
+          </a:prstGeom>
+          <a:noFill/>
+        </p:spPr>
+        <p:txBody>
+          <a:bodyPr wrap="none" rtlCol="0">
+            <a:spAutoFit/>
+          </a:bodyPr>
+          <a:lstStyle/>
+          <a:p>
+            <a:r>
+              <a:rPr lang="ru-RU" sz="5400" dirty="0"/>
+              <a:t>Диаграмма классов</a:t>
+            </a:r>
+          </a:p>
+        </p:txBody>
+      </p:sp>
       <p:pic>
         <p:nvPicPr>
-          <p:cNvPr id="3074" name="Picture 2" descr="D:\SpaceSheep-war\Диаграмма классов.png"/>
+          <p:cNvPr id="4" name="Picture 3">
+            <a:extLst>
+              <a:ext uri="{FF2B5EF4-FFF2-40B4-BE49-F238E27FC236}">
+                <a16:creationId xmlns:a16="http://schemas.microsoft.com/office/drawing/2014/main" id="{88F5FF2B-F8CE-1BB3-BEF6-04CE23C57CBA}"/>
+              </a:ext>
+            </a:extLst>
+          </p:cNvPr>
           <p:cNvPicPr>
-            <a:picLocks noChangeAspect="1" noChangeArrowheads="1"/>
+            <a:picLocks noChangeAspect="1"/>
           </p:cNvPicPr>
           <p:nvPr/>
         </p:nvPicPr>
@@ -4167,61 +4075,20 @@
               </a:ext>
             </a:extLst>
           </a:blip>
-          <a:srcRect/>
           <a:stretch>
             <a:fillRect/>
           </a:stretch>
         </p:blipFill>
-        <p:spPr bwMode="auto">
+        <p:spPr>
           <a:xfrm>
-            <a:off x="1115616" y="1414055"/>
-            <a:ext cx="12241360" cy="5949280"/>
+            <a:off x="27021" y="1052736"/>
+            <a:ext cx="9009475" cy="5181436"/>
           </a:xfrm>
           <a:prstGeom prst="rect">
             <a:avLst/>
           </a:prstGeom>
-          <a:noFill/>
-          <a:extLst>
-            <a:ext uri="{909E8E84-426E-40DD-AFC4-6F175D3DCCD1}">
-              <a14:hiddenFill xmlns:a14="http://schemas.microsoft.com/office/drawing/2010/main">
-                <a:solidFill>
-                  <a:srgbClr val="FFFFFF"/>
-                </a:solidFill>
-              </a14:hiddenFill>
-            </a:ext>
-          </a:extLst>
         </p:spPr>
       </p:pic>
-      <p:sp>
-        <p:nvSpPr>
-          <p:cNvPr id="2" name="TextBox 1"/>
-          <p:cNvSpPr txBox="1"/>
-          <p:nvPr/>
-        </p:nvSpPr>
-        <p:spPr>
-          <a:xfrm>
-            <a:off x="1547664" y="47328"/>
-            <a:ext cx="5982215" cy="923330"/>
-          </a:xfrm>
-          <a:prstGeom prst="rect">
-            <a:avLst/>
-          </a:prstGeom>
-          <a:noFill/>
-        </p:spPr>
-        <p:txBody>
-          <a:bodyPr wrap="none" rtlCol="0">
-            <a:spAutoFit/>
-          </a:bodyPr>
-          <a:lstStyle/>
-          <a:p>
-            <a:r>
-              <a:rPr lang="ru-RU" sz="5400" dirty="0" smtClean="0"/>
-              <a:t>Диаграмма классов</a:t>
-            </a:r>
-            <a:endParaRPr lang="ru-RU" sz="5400" dirty="0"/>
-          </a:p>
-        </p:txBody>
-      </p:sp>
     </p:spTree>
     <p:extLst>
       <p:ext uri="{BB962C8B-B14F-4D97-AF65-F5344CB8AC3E}">
@@ -4232,13 +4099,6 @@
   <p:clrMapOvr>
     <a:masterClrMapping/>
   </p:clrMapOvr>
-  <p:timing>
-    <p:tnLst>
-      <p:par>
-        <p:cTn id="1" dur="indefinite" restart="never" nodeType="tmRoot"/>
-      </p:par>
-    </p:tnLst>
-  </p:timing>
 </p:sld>
 </file>
 
@@ -4282,11 +4142,11 @@
           <a:lstStyle/>
           <a:p>
             <a:r>
-              <a:rPr lang="ru-RU" sz="5400" dirty="0" smtClean="0"/>
+              <a:rPr lang="ru-RU" sz="5400" dirty="0"/>
               <a:t>Итоги</a:t>
             </a:r>
             <a:r>
-              <a:rPr lang="en-US" sz="5400" dirty="0" smtClean="0"/>
+              <a:rPr lang="en-US" sz="5400" dirty="0"/>
               <a:t>:</a:t>
             </a:r>
             <a:endParaRPr lang="ru-RU" sz="5400" dirty="0"/>
@@ -4295,103 +4155,61 @@
       </p:sp>
       <p:pic>
         <p:nvPicPr>
-          <p:cNvPr id="4098" name="Picture 2"/>
+          <p:cNvPr id="6" name="Picture 5">
+            <a:extLst>
+              <a:ext uri="{FF2B5EF4-FFF2-40B4-BE49-F238E27FC236}">
+                <a16:creationId xmlns:a16="http://schemas.microsoft.com/office/drawing/2014/main" id="{F84A9327-6161-D774-4A5D-851BF4F858C4}"/>
+              </a:ext>
+            </a:extLst>
+          </p:cNvPr>
           <p:cNvPicPr>
-            <a:picLocks noChangeAspect="1" noChangeArrowheads="1"/>
+            <a:picLocks noChangeAspect="1"/>
           </p:cNvPicPr>
           <p:nvPr/>
         </p:nvPicPr>
         <p:blipFill>
-          <a:blip r:embed="rId2" cstate="print">
+          <a:blip r:embed="rId2">
             <a:extLst>
               <a:ext uri="{28A0092B-C50C-407E-A947-70E740481C1C}">
                 <a14:useLocalDpi xmlns:a14="http://schemas.microsoft.com/office/drawing/2010/main" val="0"/>
               </a:ext>
             </a:extLst>
           </a:blip>
-          <a:srcRect/>
           <a:stretch>
             <a:fillRect/>
           </a:stretch>
         </p:blipFill>
-        <p:spPr bwMode="auto">
+        <p:spPr>
           <a:xfrm>
-            <a:off x="78928" y="2802596"/>
-            <a:ext cx="4778491" cy="4055404"/>
+            <a:off x="3275856" y="0"/>
+            <a:ext cx="5868144" cy="4631997"/>
           </a:xfrm>
           <a:prstGeom prst="rect">
             <a:avLst/>
           </a:prstGeom>
-          <a:noFill/>
           <a:ln>
             <a:noFill/>
           </a:ln>
-          <a:effectLst/>
-          <a:extLst>
-            <a:ext uri="{909E8E84-426E-40DD-AFC4-6F175D3DCCD1}">
-              <a14:hiddenFill xmlns:a14="http://schemas.microsoft.com/office/drawing/2010/main">
-                <a:solidFill>
-                  <a:schemeClr val="accent1"/>
-                </a:solidFill>
-              </a14:hiddenFill>
-            </a:ext>
-            <a:ext uri="{91240B29-F687-4F45-9708-019B960494DF}">
-              <a14:hiddenLine xmlns:a14="http://schemas.microsoft.com/office/drawing/2010/main" w="9525">
-                <a:solidFill>
-                  <a:schemeClr val="tx1"/>
-                </a:solidFill>
-                <a:miter lim="800000"/>
-                <a:headEnd/>
-                <a:tailEnd/>
-              </a14:hiddenLine>
-            </a:ext>
-            <a:ext uri="{AF507438-7753-43E0-B8FC-AC1667EBCBE1}">
-              <a14:hiddenEffects xmlns:a14="http://schemas.microsoft.com/office/drawing/2010/main">
-                <a:effectLst>
-                  <a:outerShdw dist="35921" dir="2700000" algn="ctr" rotWithShape="0">
-                    <a:schemeClr val="bg2"/>
-                  </a:outerShdw>
-                </a:effectLst>
-              </a14:hiddenEffects>
-            </a:ext>
-          </a:extLst>
+          <a:effectLst>
+            <a:outerShdw blurRad="292100" dist="139700" dir="2700000" algn="tl" rotWithShape="0">
+              <a:srgbClr val="333333">
+                <a:alpha val="65000"/>
+              </a:srgbClr>
+            </a:outerShdw>
+          </a:effectLst>
         </p:spPr>
       </p:pic>
-      <p:sp>
-        <p:nvSpPr>
-          <p:cNvPr id="3" name="TextBox 2"/>
-          <p:cNvSpPr txBox="1"/>
-          <p:nvPr/>
-        </p:nvSpPr>
-        <p:spPr>
-          <a:xfrm>
-            <a:off x="81541" y="2060848"/>
-            <a:ext cx="2655086" cy="584775"/>
-          </a:xfrm>
-          <a:prstGeom prst="rect">
-            <a:avLst/>
-          </a:prstGeom>
-          <a:noFill/>
-        </p:spPr>
-        <p:txBody>
-          <a:bodyPr wrap="none" rtlCol="0">
-            <a:spAutoFit/>
-          </a:bodyPr>
-          <a:lstStyle/>
-          <a:p>
-            <a:r>
-              <a:rPr lang="ru-RU" sz="3200" dirty="0" smtClean="0"/>
-              <a:t>Главное меню</a:t>
-            </a:r>
-            <a:endParaRPr lang="ru-RU" sz="3200" dirty="0"/>
-          </a:p>
-        </p:txBody>
-      </p:sp>
       <p:pic>
         <p:nvPicPr>
-          <p:cNvPr id="4099" name="Picture 3"/>
+          <p:cNvPr id="8" name="Picture 7">
+            <a:extLst>
+              <a:ext uri="{FF2B5EF4-FFF2-40B4-BE49-F238E27FC236}">
+                <a16:creationId xmlns:a16="http://schemas.microsoft.com/office/drawing/2014/main" id="{E5B6A60F-9F56-68F9-C9D7-19F5B8D3D258}"/>
+              </a:ext>
+            </a:extLst>
+          </p:cNvPr>
           <p:cNvPicPr>
-            <a:picLocks noChangeAspect="1" noChangeArrowheads="1"/>
+            <a:picLocks noChangeAspect="1"/>
           </p:cNvPicPr>
           <p:nvPr/>
         </p:nvPicPr>
@@ -4403,84 +4221,30 @@
               </a:ext>
             </a:extLst>
           </a:blip>
-          <a:srcRect/>
           <a:stretch>
             <a:fillRect/>
           </a:stretch>
         </p:blipFill>
-        <p:spPr bwMode="auto">
+        <p:spPr>
           <a:xfrm>
-            <a:off x="3778000" y="15607"/>
-            <a:ext cx="5366000" cy="3845441"/>
+            <a:off x="0" y="3284009"/>
+            <a:ext cx="5032947" cy="3592905"/>
           </a:xfrm>
           <a:prstGeom prst="rect">
             <a:avLst/>
           </a:prstGeom>
-          <a:noFill/>
           <a:ln>
             <a:noFill/>
           </a:ln>
-          <a:effectLst/>
-          <a:extLst>
-            <a:ext uri="{909E8E84-426E-40DD-AFC4-6F175D3DCCD1}">
-              <a14:hiddenFill xmlns:a14="http://schemas.microsoft.com/office/drawing/2010/main">
-                <a:solidFill>
-                  <a:schemeClr val="accent1"/>
-                </a:solidFill>
-              </a14:hiddenFill>
-            </a:ext>
-            <a:ext uri="{91240B29-F687-4F45-9708-019B960494DF}">
-              <a14:hiddenLine xmlns:a14="http://schemas.microsoft.com/office/drawing/2010/main" w="9525">
-                <a:solidFill>
-                  <a:schemeClr val="tx1"/>
-                </a:solidFill>
-                <a:miter lim="800000"/>
-                <a:headEnd/>
-                <a:tailEnd/>
-              </a14:hiddenLine>
-            </a:ext>
-            <a:ext uri="{AF507438-7753-43E0-B8FC-AC1667EBCBE1}">
-              <a14:hiddenEffects xmlns:a14="http://schemas.microsoft.com/office/drawing/2010/main">
-                <a:effectLst>
-                  <a:outerShdw dist="35921" dir="2700000" algn="ctr" rotWithShape="0">
-                    <a:schemeClr val="bg2"/>
-                  </a:outerShdw>
-                </a:effectLst>
-              </a14:hiddenEffects>
-            </a:ext>
-          </a:extLst>
+          <a:effectLst>
+            <a:outerShdw blurRad="292100" dist="139700" dir="2700000" algn="tl" rotWithShape="0">
+              <a:srgbClr val="333333">
+                <a:alpha val="65000"/>
+              </a:srgbClr>
+            </a:outerShdw>
+          </a:effectLst>
         </p:spPr>
       </p:pic>
-      <p:sp>
-        <p:nvSpPr>
-          <p:cNvPr id="4" name="TextBox 3"/>
-          <p:cNvSpPr txBox="1"/>
-          <p:nvPr/>
-        </p:nvSpPr>
-        <p:spPr>
-          <a:xfrm>
-            <a:off x="5652120" y="3881881"/>
-            <a:ext cx="2568717" cy="584775"/>
-          </a:xfrm>
-          <a:prstGeom prst="rect">
-            <a:avLst/>
-          </a:prstGeom>
-          <a:noFill/>
-        </p:spPr>
-        <p:txBody>
-          <a:bodyPr wrap="none" rtlCol="0">
-            <a:spAutoFit/>
-          </a:bodyPr>
-          <a:lstStyle/>
-          <a:p>
-            <a:r>
-              <a:rPr lang="ru-RU" sz="3200" dirty="0" smtClean="0"/>
-              <a:t>Игровое поле</a:t>
-            </a:r>
-            <a:endParaRPr lang="ru-RU" sz="3200" dirty="0"/>
-          </a:p>
-        </p:txBody>
-      </p:sp>
     </p:spTree>
     <p:extLst>
       <p:ext uri="{BB962C8B-B14F-4D97-AF65-F5344CB8AC3E}">
@@ -4491,13 +4255,6 @@
   <p:clrMapOvr>
     <a:masterClrMapping/>
   </p:clrMapOvr>
-  <p:timing>
-    <p:tnLst>
-      <p:par>
-        <p:cTn id="1" dur="indefinite" restart="never" nodeType="tmRoot"/>
-      </p:par>
-    </p:tnLst>
-  </p:timing>
 </p:sld>
 </file>
 
